--- a/doc/DriverMonitoringSystem_Aleksa_Arsic.pptx
+++ b/doc/DriverMonitoringSystem_Aleksa_Arsic.pptx
@@ -280,7 +280,7 @@
             <a:fld id="{BCB39705-7C2E-4725-9106-824B143506AA}" type="datetimeFigureOut">
               <a:rPr lang="en-US" smtClean="0"/>
               <a:pPr/>
-              <a:t>8/26/2020</a:t>
+              <a:t>9/16/2020</a:t>
             </a:fld>
             <a:endParaRPr lang="en-US"/>
           </a:p>
@@ -818,7 +818,23 @@
                 <a:latin typeface="Times New Roman" panose="02020603050405020304" pitchFamily="18" charset="0"/>
                 <a:ea typeface="Times New Roman" panose="02020603050405020304" pitchFamily="18" charset="0"/>
               </a:rPr>
-              <a:t>приказан главни прозор и додатни прозори апликације за праћење пажње возача. Главни прозор приказује све информације о систему и приказ целокупне обраде. Прозор који приказује лице приказује улаз у први модел неуронске мреже и резултате обраде који се шаљу на улаз другог модела. Прозори који приказују очи представљају улаз у трећи модел неуронске мреже и резултате њене обраде. </a:t>
+              <a:t>приказан главни прозор и додатни прозори апликације за праћење пажње возача. Главни прозор приказује све информације о систему и приказ целокупне обраде, где зелени правоугаоник представља излаз из првог модела неуронске мреже. Прозор који приказује лице приказује улаз у</a:t>
+            </a:r>
+            <a:r>
+              <a:rPr lang="en-US" sz="1800" dirty="0">
+                <a:effectLst/>
+                <a:latin typeface="Times New Roman" panose="02020603050405020304" pitchFamily="18" charset="0"/>
+                <a:ea typeface="Times New Roman" panose="02020603050405020304" pitchFamily="18" charset="0"/>
+              </a:rPr>
+              <a:t> </a:t>
+            </a:r>
+            <a:r>
+              <a:rPr lang="sr-Cyrl-RS" sz="1800" dirty="0">
+                <a:effectLst/>
+                <a:latin typeface="Times New Roman" panose="02020603050405020304" pitchFamily="18" charset="0"/>
+                <a:ea typeface="Times New Roman" panose="02020603050405020304" pitchFamily="18" charset="0"/>
+              </a:rPr>
+              <a:t>други модел неуронске мреже и резултате обраде који се шаљу на улаз другог модела. Прозори који приказују очи представљају улаз у трећи модел неуронске мреже и резултате њене обраде. </a:t>
             </a:r>
             <a:endParaRPr lang="sr-Cyrl-RS" dirty="0"/>
           </a:p>
@@ -1450,8 +1466,16 @@
               <a:t>али и тежња да се обезбеди што боља сигурност возила.</a:t>
             </a:r>
             <a:r>
+              <a:rPr lang="en-US" sz="1800" dirty="0">
+                <a:effectLst/>
+                <a:latin typeface="Times New Roman" panose="02020603050405020304" pitchFamily="18" charset="0"/>
+                <a:ea typeface="Times New Roman" panose="02020603050405020304" pitchFamily="18" charset="0"/>
+              </a:rPr>
+              <a:t> </a:t>
+            </a:r>
+            <a:r>
               <a:rPr lang="sr-Cyrl-RS" dirty="0"/>
-              <a:t>. Интеграција програмских решења знатно је подигла ниво функционалности и ниво комплексности аутомобила и ова индустрија је све ближа тачки у којој ће аутономни аутомобили бити свакодневница и као такви већ сада користе све већи број уграђених система који се ослањају на обраду фотографије. Број таквих система у сталном је порасту, а често се могу видети као системи </a:t>
+              <a:t>Број таквих система у сталном је порасту, а често се могу видети као системи </a:t>
             </a:r>
             <a:r>
               <a:rPr lang="sr-Cyrl-RS" sz="1800" dirty="0">
@@ -1539,55 +1563,7 @@
                 <a:latin typeface="Times New Roman" panose="02020603050405020304" pitchFamily="18" charset="0"/>
                 <a:ea typeface="Times New Roman" panose="02020603050405020304" pitchFamily="18" charset="0"/>
               </a:rPr>
-              <a:t>Вештачке неуронске мреже чине скупови вештачких неурона који су повезани конекцијама које прослеђују сигнале до других вештачких неурона, а те конекције још се називају и синапсе. Вештачки неурон који прими сигнал га обрађује и прослеђује другим вештачким </a:t>
-            </a:r>
-            <a:r>
-              <a:rPr lang="sr-Cyrl-RS" sz="1800" dirty="0" err="1">
-                <a:effectLst/>
-                <a:latin typeface="Times New Roman" panose="02020603050405020304" pitchFamily="18" charset="0"/>
-                <a:ea typeface="Times New Roman" panose="02020603050405020304" pitchFamily="18" charset="0"/>
-              </a:rPr>
-              <a:t>неуронима</a:t>
-            </a:r>
-            <a:r>
-              <a:rPr lang="sr-Cyrl-RS" sz="1800" dirty="0">
-                <a:effectLst/>
-                <a:latin typeface="Times New Roman" panose="02020603050405020304" pitchFamily="18" charset="0"/>
-                <a:ea typeface="Times New Roman" panose="02020603050405020304" pitchFamily="18" charset="0"/>
-              </a:rPr>
-              <a:t> са којима је повезан, а излазни сигнал који се прослеђује израчунава се уз помоћ нелинеарне математичке функције. Обучавањем вештачких неуронских мрежа формира се математички модел који се води искуством и ако је добро формиран може да предвиди шта би требало да се појави на излазу неуронске мреже без да је такав случај видео приликом обучавања. Само обучавање врши се уз помоћ сета података (</a:t>
-            </a:r>
-            <a:r>
-              <a:rPr lang="sr-Cyrl-RS" sz="1800" dirty="0" err="1">
-                <a:effectLst/>
-                <a:latin typeface="Times New Roman" panose="02020603050405020304" pitchFamily="18" charset="0"/>
-                <a:ea typeface="Times New Roman" panose="02020603050405020304" pitchFamily="18" charset="0"/>
-              </a:rPr>
-              <a:t>енг</a:t>
-            </a:r>
-            <a:r>
-              <a:rPr lang="sr-Cyrl-RS" sz="1800" dirty="0">
-                <a:effectLst/>
-                <a:latin typeface="Times New Roman" panose="02020603050405020304" pitchFamily="18" charset="0"/>
-                <a:ea typeface="Times New Roman" panose="02020603050405020304" pitchFamily="18" charset="0"/>
-              </a:rPr>
-              <a:t>. </a:t>
-            </a:r>
-            <a:r>
-              <a:rPr lang="sr-Cyrl-RS" sz="1800" i="1" dirty="0" err="1">
-                <a:effectLst/>
-                <a:latin typeface="Times New Roman" panose="02020603050405020304" pitchFamily="18" charset="0"/>
-                <a:ea typeface="Times New Roman" panose="02020603050405020304" pitchFamily="18" charset="0"/>
-              </a:rPr>
-              <a:t>Dataset</a:t>
-            </a:r>
-            <a:r>
-              <a:rPr lang="sr-Cyrl-RS" sz="1800" dirty="0">
-                <a:effectLst/>
-                <a:latin typeface="Times New Roman" panose="02020603050405020304" pitchFamily="18" charset="0"/>
-                <a:ea typeface="Times New Roman" panose="02020603050405020304" pitchFamily="18" charset="0"/>
-              </a:rPr>
-              <a:t>) који неуронској мрежи омогућава да формира потребан математички модел. Архитектура вештачких неуронских мрежа постоји мноштво, међутим за обраду фотографије користе се </a:t>
+              <a:t>Вештачке неуронске мреже чине скупови вештачких неурона који су повезани на одговарајући начин од којих сваки врши некакву нелинеарну математичку обраду над сигналом. Обучавањем вештачких неуронских мрежа формира се математички модел који се води искуством и ако је добро формиран може да предвиди шта би требало да се појави на излазу неуронске мреже без да је такав случај видео приликом обучавања. Архитектура вештачких неуронских мрежа постоји мноштво, међутим за обраду фотографије користе се </a:t>
             </a:r>
             <a:r>
               <a:rPr lang="sr-Cyrl-RS" sz="1800" dirty="0" err="1">
@@ -1725,7 +1701,7 @@
                 <a:latin typeface="Times New Roman" panose="02020603050405020304" pitchFamily="18" charset="0"/>
                 <a:ea typeface="Times New Roman" panose="02020603050405020304" pitchFamily="18" charset="0"/>
               </a:rPr>
-              <a:t> неуронске мреже представљају архитектуру вештачких неуронских мрежа које се најчешће примењују у пољу рачунарске визије. Оне су врста алгоритма дубоког учења који је способан да на улазној слици одреди важност њених различитих делова и има могућност да диференцира те делове. Два главна дела од којих се састоји свака конволутивна неуронска мрежа су: екстракција специфичности и класификација. Ако погледамо дубље унутар дела за екстракцију специфичности можемо приметити да конволутивна неруонска мрежа имплементира два типа слојева: конволутивни (</a:t>
+              <a:t> неуронске мреже представљају архитектуру вештачких неуронских мрежа које се најчешће примењују у пољу рачунарске визије. Два главна дела од којих се састоји свака конволутивна неуронска мрежа су: екстракција специфичности и класификација. Ако погледамо дубље унутар дела за екстракцију специфичности можемо приметити да конволутивна неруонска мрежа имплементира два типа слојева: конволутивни (</a:t>
             </a:r>
             <a:r>
               <a:rPr lang="sr-Cyrl-RS" sz="1800" dirty="0" err="1">
@@ -1877,11 +1853,27 @@
                 <a:latin typeface="Times New Roman" panose="02020603050405020304" pitchFamily="18" charset="0"/>
                 <a:ea typeface="Times New Roman" panose="02020603050405020304" pitchFamily="18" charset="0"/>
               </a:rPr>
-              <a:t>Циљ операције конволуције јесте да из улазног сигнала генералише специфичности вишег нивоа. Конволутивни слојеви који се налазе ниже у мрежи (ближе улазу него излазу)  детектују специфичности сигнала нижег нивоа, као што су: рубови и боје. Како се крећемо дубље у мрежу (ка излазу), ти конволутивни нивои су обучени да генералишу све комплексније специфичности улазног сигнала, али и разумевање комплетне слике. </a:t>
-            </a:r>
-            <a:endParaRPr lang="sr-Cyrl-RS" b="1" dirty="0"/>
-          </a:p>
-          <a:p>
+              <a:t>Циљ операције конволуције јесте да из улазног сигнала генералише специфичности вишег нивоа. </a:t>
+            </a:r>
+          </a:p>
+          <a:p>
+            <a:pPr marL="0" marR="0" lvl="0" indent="0" algn="l" defTabSz="914400" rtl="0" eaLnBrk="1" fontAlgn="auto" latinLnBrk="0" hangingPunct="1">
+              <a:lnSpc>
+                <a:spcPct val="100000"/>
+              </a:lnSpc>
+              <a:spcBef>
+                <a:spcPts val="0"/>
+              </a:spcBef>
+              <a:spcAft>
+                <a:spcPts val="0"/>
+              </a:spcAft>
+              <a:buClrTx/>
+              <a:buSzTx/>
+              <a:buFontTx/>
+              <a:buNone/>
+              <a:tabLst/>
+              <a:defRPr/>
+            </a:pPr>
             <a:r>
               <a:rPr lang="sr-Cyrl-RS" b="1" dirty="0"/>
               <a:t>Сажимајући слој - </a:t>
@@ -1892,39 +1884,7 @@
                 <a:latin typeface="Times New Roman" panose="02020603050405020304" pitchFamily="18" charset="0"/>
                 <a:ea typeface="Times New Roman" panose="02020603050405020304" pitchFamily="18" charset="0"/>
               </a:rPr>
-              <a:t>Сажимајући (</a:t>
-            </a:r>
-            <a:r>
-              <a:rPr lang="sr-Cyrl-RS" sz="1800" dirty="0" err="1">
-                <a:effectLst/>
-                <a:latin typeface="Times New Roman" panose="02020603050405020304" pitchFamily="18" charset="0"/>
-                <a:ea typeface="Times New Roman" panose="02020603050405020304" pitchFamily="18" charset="0"/>
-              </a:rPr>
-              <a:t>енг</a:t>
-            </a:r>
-            <a:r>
-              <a:rPr lang="sr-Cyrl-RS" sz="1800" dirty="0">
-                <a:effectLst/>
-                <a:latin typeface="Times New Roman" panose="02020603050405020304" pitchFamily="18" charset="0"/>
-                <a:ea typeface="Times New Roman" panose="02020603050405020304" pitchFamily="18" charset="0"/>
-              </a:rPr>
-              <a:t>. </a:t>
-            </a:r>
-            <a:r>
-              <a:rPr lang="sr-Cyrl-RS" sz="1800" i="1" dirty="0" err="1">
-                <a:effectLst/>
-                <a:latin typeface="Times New Roman" panose="02020603050405020304" pitchFamily="18" charset="0"/>
-                <a:ea typeface="Times New Roman" panose="02020603050405020304" pitchFamily="18" charset="0"/>
-              </a:rPr>
-              <a:t>Pooling</a:t>
-            </a:r>
-            <a:r>
-              <a:rPr lang="sr-Cyrl-RS" sz="1800" dirty="0">
-                <a:effectLst/>
-                <a:latin typeface="Times New Roman" panose="02020603050405020304" pitchFamily="18" charset="0"/>
-                <a:ea typeface="Times New Roman" panose="02020603050405020304" pitchFamily="18" charset="0"/>
-              </a:rPr>
-              <a:t>) слој има могућност смањивања просторне димензије сигнала у циљу смањења снаге потребне за израчунавање и обраду података. Такође је корисно за извлачење доминантних специфичности сигнала. Претежно се користе или </a:t>
+              <a:t>Сажимајући слој има могућност смањивања просторне димензије сигнала у циљу смањења снаге потребне за израчунавање и обраду података. Претежно се користе или </a:t>
             </a:r>
             <a:r>
               <a:rPr lang="sr-Cyrl-RS" sz="1800" dirty="0" err="1">
@@ -2335,15 +2295,7 @@
           <a:p>
             <a:r>
               <a:rPr lang="sr-Cyrl-RS" dirty="0"/>
-              <a:t>Као </a:t>
-            </a:r>
-            <a:r>
-              <a:rPr lang="sr-Cyrl-RS"/>
-              <a:t>што је речено, </a:t>
-            </a:r>
-            <a:r>
-              <a:rPr lang="sr-Cyrl-RS" dirty="0"/>
-              <a:t>апликација за праћење пажње возача састављена је од три </a:t>
+              <a:t>Као што је речено, апликација за праћење пажње возача састављена је од три </a:t>
             </a:r>
             <a:r>
               <a:rPr lang="sr-Cyrl-RS" dirty="0" err="1"/>
@@ -3273,7 +3225,7 @@
             <a:fld id="{BBE8E2CA-13BD-44B9-AD6E-34567930D582}" type="datetimeFigureOut">
               <a:rPr lang="sr-Latn-RS" smtClean="0"/>
               <a:pPr/>
-              <a:t>26.8.2020.</a:t>
+              <a:t>16.9.2020.</a:t>
             </a:fld>
             <a:endParaRPr lang="sr-Latn-RS"/>
           </a:p>
@@ -3479,7 +3431,7 @@
             <a:fld id="{BBE8E2CA-13BD-44B9-AD6E-34567930D582}" type="datetimeFigureOut">
               <a:rPr lang="sr-Latn-RS" smtClean="0"/>
               <a:pPr/>
-              <a:t>26.8.2020.</a:t>
+              <a:t>16.9.2020.</a:t>
             </a:fld>
             <a:endParaRPr lang="sr-Latn-RS"/>
           </a:p>
@@ -3716,7 +3668,7 @@
             <a:fld id="{BBE8E2CA-13BD-44B9-AD6E-34567930D582}" type="datetimeFigureOut">
               <a:rPr lang="sr-Latn-RS" smtClean="0"/>
               <a:pPr/>
-              <a:t>26.8.2020.</a:t>
+              <a:t>16.9.2020.</a:t>
             </a:fld>
             <a:endParaRPr lang="sr-Latn-RS"/>
           </a:p>
@@ -3988,7 +3940,7 @@
             <a:fld id="{BBE8E2CA-13BD-44B9-AD6E-34567930D582}" type="datetimeFigureOut">
               <a:rPr lang="sr-Latn-RS" smtClean="0"/>
               <a:pPr/>
-              <a:t>26.8.2020.</a:t>
+              <a:t>16.9.2020.</a:t>
             </a:fld>
             <a:endParaRPr lang="sr-Latn-RS"/>
           </a:p>
@@ -4246,7 +4198,7 @@
             <a:fld id="{BBE8E2CA-13BD-44B9-AD6E-34567930D582}" type="datetimeFigureOut">
               <a:rPr lang="sr-Latn-RS" smtClean="0"/>
               <a:pPr/>
-              <a:t>26.8.2020.</a:t>
+              <a:t>16.9.2020.</a:t>
             </a:fld>
             <a:endParaRPr lang="sr-Latn-RS"/>
           </a:p>
@@ -4639,7 +4591,7 @@
             <a:fld id="{BBE8E2CA-13BD-44B9-AD6E-34567930D582}" type="datetimeFigureOut">
               <a:rPr lang="sr-Latn-RS" smtClean="0"/>
               <a:pPr/>
-              <a:t>26.8.2020.</a:t>
+              <a:t>16.9.2020.</a:t>
             </a:fld>
             <a:endParaRPr lang="sr-Latn-RS"/>
           </a:p>
@@ -4783,7 +4735,7 @@
             <a:fld id="{BBE8E2CA-13BD-44B9-AD6E-34567930D582}" type="datetimeFigureOut">
               <a:rPr lang="sr-Latn-RS" smtClean="0"/>
               <a:pPr/>
-              <a:t>26.8.2020.</a:t>
+              <a:t>16.9.2020.</a:t>
             </a:fld>
             <a:endParaRPr lang="sr-Latn-RS"/>
           </a:p>
@@ -4904,7 +4856,7 @@
             <a:fld id="{BBE8E2CA-13BD-44B9-AD6E-34567930D582}" type="datetimeFigureOut">
               <a:rPr lang="sr-Latn-RS" smtClean="0"/>
               <a:pPr/>
-              <a:t>26.8.2020.</a:t>
+              <a:t>16.9.2020.</a:t>
             </a:fld>
             <a:endParaRPr lang="sr-Latn-RS"/>
           </a:p>
@@ -5207,7 +5159,7 @@
             <a:fld id="{BBE8E2CA-13BD-44B9-AD6E-34567930D582}" type="datetimeFigureOut">
               <a:rPr lang="sr-Latn-RS" smtClean="0"/>
               <a:pPr/>
-              <a:t>26.8.2020.</a:t>
+              <a:t>16.9.2020.</a:t>
             </a:fld>
             <a:endParaRPr lang="sr-Latn-RS"/>
           </a:p>
@@ -5486,7 +5438,7 @@
             <a:fld id="{BBE8E2CA-13BD-44B9-AD6E-34567930D582}" type="datetimeFigureOut">
               <a:rPr lang="sr-Latn-RS" smtClean="0"/>
               <a:pPr/>
-              <a:t>26.8.2020.</a:t>
+              <a:t>16.9.2020.</a:t>
             </a:fld>
             <a:endParaRPr lang="sr-Latn-RS"/>
           </a:p>
